--- a/template_files/resources/ss_print_template_resources.pptx
+++ b/template_files/resources/ss_print_template_resources.pptx
@@ -262,7 +262,7 @@
           <a:p>
             <a:fld id="{75C28D15-D3C2-4679-99C3-1FA3A2CAC544}" type="datetimeFigureOut">
               <a:rPr lang="en-US" smtClean="0"/>
-              <a:t>5/11/2022</a:t>
+              <a:t>5/31/2022</a:t>
             </a:fld>
             <a:endParaRPr lang="en-US"/>
           </a:p>
@@ -432,7 +432,7 @@
           <a:p>
             <a:fld id="{75C28D15-D3C2-4679-99C3-1FA3A2CAC544}" type="datetimeFigureOut">
               <a:rPr lang="en-US" smtClean="0"/>
-              <a:t>5/11/2022</a:t>
+              <a:t>5/31/2022</a:t>
             </a:fld>
             <a:endParaRPr lang="en-US"/>
           </a:p>
@@ -612,7 +612,7 @@
           <a:p>
             <a:fld id="{75C28D15-D3C2-4679-99C3-1FA3A2CAC544}" type="datetimeFigureOut">
               <a:rPr lang="en-US" smtClean="0"/>
-              <a:t>5/11/2022</a:t>
+              <a:t>5/31/2022</a:t>
             </a:fld>
             <a:endParaRPr lang="en-US"/>
           </a:p>
@@ -782,7 +782,7 @@
           <a:p>
             <a:fld id="{75C28D15-D3C2-4679-99C3-1FA3A2CAC544}" type="datetimeFigureOut">
               <a:rPr lang="en-US" smtClean="0"/>
-              <a:t>5/11/2022</a:t>
+              <a:t>5/31/2022</a:t>
             </a:fld>
             <a:endParaRPr lang="en-US"/>
           </a:p>
@@ -1026,7 +1026,7 @@
           <a:p>
             <a:fld id="{75C28D15-D3C2-4679-99C3-1FA3A2CAC544}" type="datetimeFigureOut">
               <a:rPr lang="en-US" smtClean="0"/>
-              <a:t>5/11/2022</a:t>
+              <a:t>5/31/2022</a:t>
             </a:fld>
             <a:endParaRPr lang="en-US"/>
           </a:p>
@@ -1258,7 +1258,7 @@
           <a:p>
             <a:fld id="{75C28D15-D3C2-4679-99C3-1FA3A2CAC544}" type="datetimeFigureOut">
               <a:rPr lang="en-US" smtClean="0"/>
-              <a:t>5/11/2022</a:t>
+              <a:t>5/31/2022</a:t>
             </a:fld>
             <a:endParaRPr lang="en-US"/>
           </a:p>
@@ -1625,7 +1625,7 @@
           <a:p>
             <a:fld id="{75C28D15-D3C2-4679-99C3-1FA3A2CAC544}" type="datetimeFigureOut">
               <a:rPr lang="en-US" smtClean="0"/>
-              <a:t>5/11/2022</a:t>
+              <a:t>5/31/2022</a:t>
             </a:fld>
             <a:endParaRPr lang="en-US"/>
           </a:p>
@@ -1743,7 +1743,7 @@
           <a:p>
             <a:fld id="{75C28D15-D3C2-4679-99C3-1FA3A2CAC544}" type="datetimeFigureOut">
               <a:rPr lang="en-US" smtClean="0"/>
-              <a:t>5/11/2022</a:t>
+              <a:t>5/31/2022</a:t>
             </a:fld>
             <a:endParaRPr lang="en-US"/>
           </a:p>
@@ -1838,7 +1838,7 @@
           <a:p>
             <a:fld id="{75C28D15-D3C2-4679-99C3-1FA3A2CAC544}" type="datetimeFigureOut">
               <a:rPr lang="en-US" smtClean="0"/>
-              <a:t>5/11/2022</a:t>
+              <a:t>5/31/2022</a:t>
             </a:fld>
             <a:endParaRPr lang="en-US"/>
           </a:p>
@@ -2115,7 +2115,7 @@
           <a:p>
             <a:fld id="{75C28D15-D3C2-4679-99C3-1FA3A2CAC544}" type="datetimeFigureOut">
               <a:rPr lang="en-US" smtClean="0"/>
-              <a:t>5/11/2022</a:t>
+              <a:t>5/31/2022</a:t>
             </a:fld>
             <a:endParaRPr lang="en-US"/>
           </a:p>
@@ -2372,7 +2372,7 @@
           <a:p>
             <a:fld id="{75C28D15-D3C2-4679-99C3-1FA3A2CAC544}" type="datetimeFigureOut">
               <a:rPr lang="en-US" smtClean="0"/>
-              <a:t>5/11/2022</a:t>
+              <a:t>5/31/2022</a:t>
             </a:fld>
             <a:endParaRPr lang="en-US"/>
           </a:p>
@@ -2585,7 +2585,7 @@
           <a:p>
             <a:fld id="{75C28D15-D3C2-4679-99C3-1FA3A2CAC544}" type="datetimeFigureOut">
               <a:rPr lang="en-US" smtClean="0"/>
-              <a:t>5/11/2022</a:t>
+              <a:t>5/31/2022</a:t>
             </a:fld>
             <a:endParaRPr lang="en-US"/>
           </a:p>
@@ -3120,7 +3120,7 @@
               </a:rPr>
               <a:t>Each slide corresponds to a page in the Storm Story print report </a:t>
             </a:r>
-            <a:r>
+            <a:br>
               <a:rPr lang="en-US" sz="1400" dirty="0" smtClean="0">
                 <a:solidFill>
                   <a:schemeClr val="tx1">
@@ -3129,9 +3129,8 @@
                   </a:schemeClr>
                 </a:solidFill>
               </a:rPr>
-              <a:t/>
-            </a:r>
-            <a:br>
+            </a:br>
+            <a:r>
               <a:rPr lang="en-US" sz="1400" dirty="0" smtClean="0">
                 <a:solidFill>
                   <a:schemeClr val="tx1">
@@ -3140,28 +3139,7 @@
                   </a:schemeClr>
                 </a:solidFill>
               </a:rPr>
-            </a:br>
-            <a:r>
-              <a:rPr lang="en-US" sz="1400" dirty="0" smtClean="0">
-                <a:solidFill>
-                  <a:schemeClr val="tx1">
-                    <a:lumMod val="75000"/>
-                    <a:lumOff val="25000"/>
-                  </a:schemeClr>
-                </a:solidFill>
-              </a:rPr>
-              <a:t>(</a:t>
-            </a:r>
-            <a:r>
-              <a:rPr lang="en-US" sz="1400" dirty="0" smtClean="0">
-                <a:solidFill>
-                  <a:schemeClr val="tx1">
-                    <a:lumMod val="75000"/>
-                    <a:lumOff val="25000"/>
-                  </a:schemeClr>
-                </a:solidFill>
-              </a:rPr>
-              <a:t>Page 1 through 6)</a:t>
+              <a:t>(Page 1 through 6)</a:t>
             </a:r>
           </a:p>
           <a:p>
@@ -3197,51 +3175,7 @@
                   </a:schemeClr>
                 </a:solidFill>
               </a:rPr>
-              <a:t>Add </a:t>
-            </a:r>
-            <a:r>
-              <a:rPr lang="en-US" sz="1400" dirty="0" smtClean="0">
-                <a:solidFill>
-                  <a:schemeClr val="tx1">
-                    <a:lumMod val="75000"/>
-                    <a:lumOff val="25000"/>
-                  </a:schemeClr>
-                </a:solidFill>
-              </a:rPr>
-              <a:t>elements, </a:t>
-            </a:r>
-            <a:r>
-              <a:rPr lang="en-US" sz="1400" dirty="0" smtClean="0">
-                <a:solidFill>
-                  <a:schemeClr val="tx1">
-                    <a:lumMod val="75000"/>
-                    <a:lumOff val="25000"/>
-                  </a:schemeClr>
-                </a:solidFill>
-              </a:rPr>
-              <a:t>as </a:t>
-            </a:r>
-            <a:r>
-              <a:rPr lang="en-US" sz="1400" dirty="0" smtClean="0">
-                <a:solidFill>
-                  <a:schemeClr val="tx1">
-                    <a:lumMod val="75000"/>
-                    <a:lumOff val="25000"/>
-                  </a:schemeClr>
-                </a:solidFill>
-              </a:rPr>
-              <a:t>needed, </a:t>
-            </a:r>
-            <a:r>
-              <a:rPr lang="en-US" sz="1400" dirty="0" smtClean="0">
-                <a:solidFill>
-                  <a:schemeClr val="tx1">
-                    <a:lumMod val="75000"/>
-                    <a:lumOff val="25000"/>
-                  </a:schemeClr>
-                </a:solidFill>
-              </a:rPr>
-              <a:t>to your report by clicking on the element and copying. Navigate to your “storm_report_final.pptx” file, and click paste. Move element to proper position and then edit as needed (i.e., add text, resize, change orientation, etc.)</a:t>
+              <a:t>Add elements, as needed, to your report by clicking on the element and copying. Navigate to your “storm_report_final.pptx” file, and click paste. Move element to proper position and then edit as needed (i.e., add text, resize, change orientation, etc.)</a:t>
             </a:r>
           </a:p>
           <a:p>
@@ -3297,7 +3231,7 @@
           <p:cNvPr id="4" name="Group 3">
             <a:extLst>
               <a:ext uri="{FF2B5EF4-FFF2-40B4-BE49-F238E27FC236}">
-                <a16:creationId xmlns:a16="http://schemas.microsoft.com/office/drawing/2014/main" xmlns="" id="{1520BC0E-98FD-4897-A7D5-0418216B7C15}"/>
+                <a16:creationId xmlns="" xmlns:a16="http://schemas.microsoft.com/office/drawing/2014/main" id="{1520BC0E-98FD-4897-A7D5-0418216B7C15}"/>
               </a:ext>
             </a:extLst>
           </p:cNvPr>
@@ -3317,7 +3251,7 @@
             <p:cNvPr id="3" name="Rectangle 2">
               <a:extLst>
                 <a:ext uri="{FF2B5EF4-FFF2-40B4-BE49-F238E27FC236}">
-                  <a16:creationId xmlns:a16="http://schemas.microsoft.com/office/drawing/2014/main" xmlns="" id="{E3E4BE6B-FD3D-4AA5-BF98-CDD9E2782580}"/>
+                  <a16:creationId xmlns="" xmlns:a16="http://schemas.microsoft.com/office/drawing/2014/main" id="{E3E4BE6B-FD3D-4AA5-BF98-CDD9E2782580}"/>
                 </a:ext>
               </a:extLst>
             </p:cNvPr>
@@ -3366,7 +3300,7 @@
             <p:cNvPr id="11" name="Rectangle 10">
               <a:extLst>
                 <a:ext uri="{FF2B5EF4-FFF2-40B4-BE49-F238E27FC236}">
-                  <a16:creationId xmlns:a16="http://schemas.microsoft.com/office/drawing/2014/main" xmlns="" id="{D2B72609-3F2D-4430-8995-6E0048A088C0}"/>
+                  <a16:creationId xmlns="" xmlns:a16="http://schemas.microsoft.com/office/drawing/2014/main" id="{D2B72609-3F2D-4430-8995-6E0048A088C0}"/>
                 </a:ext>
               </a:extLst>
             </p:cNvPr>
@@ -3580,7 +3514,7 @@
           <p:cNvPr id="10" name="TextBox 9">
             <a:extLst>
               <a:ext uri="{FF2B5EF4-FFF2-40B4-BE49-F238E27FC236}">
-                <a16:creationId xmlns:a16="http://schemas.microsoft.com/office/drawing/2014/main" xmlns="" id="{7F018FFE-5816-439D-93CF-A7D20407CB7B}"/>
+                <a16:creationId xmlns="" xmlns:a16="http://schemas.microsoft.com/office/drawing/2014/main" id="{7F018FFE-5816-439D-93CF-A7D20407CB7B}"/>
               </a:ext>
             </a:extLst>
           </p:cNvPr>
@@ -3619,7 +3553,7 @@
           <p:cNvPr id="13" name="TextBox 12">
             <a:extLst>
               <a:ext uri="{FF2B5EF4-FFF2-40B4-BE49-F238E27FC236}">
-                <a16:creationId xmlns:a16="http://schemas.microsoft.com/office/drawing/2014/main" xmlns="" id="{6920D796-110D-40BB-8E5F-635F28C7BAC0}"/>
+                <a16:creationId xmlns="" xmlns:a16="http://schemas.microsoft.com/office/drawing/2014/main" id="{6920D796-110D-40BB-8E5F-635F28C7BAC0}"/>
               </a:ext>
             </a:extLst>
           </p:cNvPr>
@@ -3689,7 +3623,7 @@
           <p:cNvPr id="4" name="Group 3">
             <a:extLst>
               <a:ext uri="{FF2B5EF4-FFF2-40B4-BE49-F238E27FC236}">
-                <a16:creationId xmlns:a16="http://schemas.microsoft.com/office/drawing/2014/main" xmlns="" id="{1520BC0E-98FD-4897-A7D5-0418216B7C15}"/>
+                <a16:creationId xmlns="" xmlns:a16="http://schemas.microsoft.com/office/drawing/2014/main" id="{1520BC0E-98FD-4897-A7D5-0418216B7C15}"/>
               </a:ext>
             </a:extLst>
           </p:cNvPr>
@@ -3709,7 +3643,7 @@
             <p:cNvPr id="3" name="Rectangle 2">
               <a:extLst>
                 <a:ext uri="{FF2B5EF4-FFF2-40B4-BE49-F238E27FC236}">
-                  <a16:creationId xmlns:a16="http://schemas.microsoft.com/office/drawing/2014/main" xmlns="" id="{E3E4BE6B-FD3D-4AA5-BF98-CDD9E2782580}"/>
+                  <a16:creationId xmlns="" xmlns:a16="http://schemas.microsoft.com/office/drawing/2014/main" id="{E3E4BE6B-FD3D-4AA5-BF98-CDD9E2782580}"/>
                 </a:ext>
               </a:extLst>
             </p:cNvPr>
@@ -3758,7 +3692,7 @@
             <p:cNvPr id="11" name="Rectangle 10">
               <a:extLst>
                 <a:ext uri="{FF2B5EF4-FFF2-40B4-BE49-F238E27FC236}">
-                  <a16:creationId xmlns:a16="http://schemas.microsoft.com/office/drawing/2014/main" xmlns="" id="{D2B72609-3F2D-4430-8995-6E0048A088C0}"/>
+                  <a16:creationId xmlns="" xmlns:a16="http://schemas.microsoft.com/office/drawing/2014/main" id="{D2B72609-3F2D-4430-8995-6E0048A088C0}"/>
                 </a:ext>
               </a:extLst>
             </p:cNvPr>
@@ -3972,7 +3906,7 @@
           <p:cNvPr id="14" name="TextBox 35">
             <a:extLst>
               <a:ext uri="{FF2B5EF4-FFF2-40B4-BE49-F238E27FC236}">
-                <a16:creationId xmlns:a16="http://schemas.microsoft.com/office/drawing/2014/main" xmlns="" id="{F3115CD5-F86F-42D6-9FE6-53EAB11A26E0}"/>
+                <a16:creationId xmlns="" xmlns:a16="http://schemas.microsoft.com/office/drawing/2014/main" id="{F3115CD5-F86F-42D6-9FE6-53EAB11A26E0}"/>
               </a:ext>
             </a:extLst>
           </p:cNvPr>
@@ -4107,7 +4041,7 @@
           <p:cNvPr id="15" name="TextBox 14">
             <a:extLst>
               <a:ext uri="{FF2B5EF4-FFF2-40B4-BE49-F238E27FC236}">
-                <a16:creationId xmlns:a16="http://schemas.microsoft.com/office/drawing/2014/main" xmlns="" id="{DAFBBA35-F69A-480F-BE30-9EC5C0E48E01}"/>
+                <a16:creationId xmlns="" xmlns:a16="http://schemas.microsoft.com/office/drawing/2014/main" id="{DAFBBA35-F69A-480F-BE30-9EC5C0E48E01}"/>
               </a:ext>
             </a:extLst>
           </p:cNvPr>
@@ -4147,7 +4081,7 @@
           <p:cNvPr id="16" name="Rectangle 15">
             <a:extLst>
               <a:ext uri="{FF2B5EF4-FFF2-40B4-BE49-F238E27FC236}">
-                <a16:creationId xmlns:a16="http://schemas.microsoft.com/office/drawing/2014/main" xmlns="" id="{88556677-D402-411B-8A4E-A874D126DCB6}"/>
+                <a16:creationId xmlns="" xmlns:a16="http://schemas.microsoft.com/office/drawing/2014/main" id="{88556677-D402-411B-8A4E-A874D126DCB6}"/>
               </a:ext>
             </a:extLst>
           </p:cNvPr>
@@ -4207,7 +4141,7 @@
           <p:cNvPr id="17" name="TextBox 35">
             <a:extLst>
               <a:ext uri="{FF2B5EF4-FFF2-40B4-BE49-F238E27FC236}">
-                <a16:creationId xmlns:a16="http://schemas.microsoft.com/office/drawing/2014/main" xmlns="" id="{C2B2D9B1-B4C2-4414-BB79-853DA11918BB}"/>
+                <a16:creationId xmlns="" xmlns:a16="http://schemas.microsoft.com/office/drawing/2014/main" id="{C2B2D9B1-B4C2-4414-BB79-853DA11918BB}"/>
               </a:ext>
             </a:extLst>
           </p:cNvPr>
@@ -4342,7 +4276,7 @@
           <p:cNvPr id="22" name="Oval 21">
             <a:extLst>
               <a:ext uri="{FF2B5EF4-FFF2-40B4-BE49-F238E27FC236}">
-                <a16:creationId xmlns:a16="http://schemas.microsoft.com/office/drawing/2014/main" xmlns="" id="{3E62E061-2A7F-4E35-97F3-6F9CF92EE940}"/>
+                <a16:creationId xmlns="" xmlns:a16="http://schemas.microsoft.com/office/drawing/2014/main" id="{3E62E061-2A7F-4E35-97F3-6F9CF92EE940}"/>
               </a:ext>
             </a:extLst>
           </p:cNvPr>
@@ -4394,7 +4328,7 @@
           <p:cNvPr id="23" name="Rectangle 22">
             <a:extLst>
               <a:ext uri="{FF2B5EF4-FFF2-40B4-BE49-F238E27FC236}">
-                <a16:creationId xmlns:a16="http://schemas.microsoft.com/office/drawing/2014/main" xmlns="" id="{1B7CB157-D59F-4972-968D-2ADBA0399088}"/>
+                <a16:creationId xmlns="" xmlns:a16="http://schemas.microsoft.com/office/drawing/2014/main" id="{1B7CB157-D59F-4972-968D-2ADBA0399088}"/>
               </a:ext>
             </a:extLst>
           </p:cNvPr>
@@ -4454,7 +4388,7 @@
           <p:cNvPr id="24" name="TextBox 23">
             <a:extLst>
               <a:ext uri="{FF2B5EF4-FFF2-40B4-BE49-F238E27FC236}">
-                <a16:creationId xmlns:a16="http://schemas.microsoft.com/office/drawing/2014/main" xmlns="" id="{48F62FF9-5A4A-4CED-985F-0C775BDDD4E0}"/>
+                <a16:creationId xmlns="" xmlns:a16="http://schemas.microsoft.com/office/drawing/2014/main" id="{48F62FF9-5A4A-4CED-985F-0C775BDDD4E0}"/>
               </a:ext>
             </a:extLst>
           </p:cNvPr>
@@ -4494,7 +4428,7 @@
           <p:cNvPr id="25" name="TextBox 24">
             <a:extLst>
               <a:ext uri="{FF2B5EF4-FFF2-40B4-BE49-F238E27FC236}">
-                <a16:creationId xmlns:a16="http://schemas.microsoft.com/office/drawing/2014/main" xmlns="" id="{4E73592F-5EF3-49E0-9C67-519AA541B21D}"/>
+                <a16:creationId xmlns="" xmlns:a16="http://schemas.microsoft.com/office/drawing/2014/main" id="{4E73592F-5EF3-49E0-9C67-519AA541B21D}"/>
               </a:ext>
             </a:extLst>
           </p:cNvPr>
@@ -4534,7 +4468,7 @@
           <p:cNvPr id="26" name="Rectangle 25">
             <a:extLst>
               <a:ext uri="{FF2B5EF4-FFF2-40B4-BE49-F238E27FC236}">
-                <a16:creationId xmlns:a16="http://schemas.microsoft.com/office/drawing/2014/main" xmlns="" id="{D39368E1-31E3-4EC5-9C65-4D61FF0063E9}"/>
+                <a16:creationId xmlns="" xmlns:a16="http://schemas.microsoft.com/office/drawing/2014/main" id="{D39368E1-31E3-4EC5-9C65-4D61FF0063E9}"/>
               </a:ext>
             </a:extLst>
           </p:cNvPr>
@@ -4594,7 +4528,7 @@
           <p:cNvPr id="2" name="Group 1">
             <a:extLst>
               <a:ext uri="{FF2B5EF4-FFF2-40B4-BE49-F238E27FC236}">
-                <a16:creationId xmlns:a16="http://schemas.microsoft.com/office/drawing/2014/main" xmlns="" id="{BE0B2E3F-6EDF-4BE0-B911-F0DFDCBB6212}"/>
+                <a16:creationId xmlns="" xmlns:a16="http://schemas.microsoft.com/office/drawing/2014/main" id="{BE0B2E3F-6EDF-4BE0-B911-F0DFDCBB6212}"/>
               </a:ext>
             </a:extLst>
           </p:cNvPr>
@@ -4614,7 +4548,7 @@
             <p:cNvPr id="27" name="Group 26">
               <a:extLst>
                 <a:ext uri="{FF2B5EF4-FFF2-40B4-BE49-F238E27FC236}">
-                  <a16:creationId xmlns:a16="http://schemas.microsoft.com/office/drawing/2014/main" xmlns="" id="{B953BA32-5920-43CE-8F3F-3489DC8D9013}"/>
+                  <a16:creationId xmlns="" xmlns:a16="http://schemas.microsoft.com/office/drawing/2014/main" id="{B953BA32-5920-43CE-8F3F-3489DC8D9013}"/>
                 </a:ext>
               </a:extLst>
             </p:cNvPr>
@@ -4634,7 +4568,7 @@
               <p:cNvPr id="28" name="TextBox 27">
                 <a:extLst>
                   <a:ext uri="{FF2B5EF4-FFF2-40B4-BE49-F238E27FC236}">
-                    <a16:creationId xmlns:a16="http://schemas.microsoft.com/office/drawing/2014/main" xmlns="" id="{2C0974E5-1BC9-40F7-8E93-974C0DAE1FDF}"/>
+                    <a16:creationId xmlns="" xmlns:a16="http://schemas.microsoft.com/office/drawing/2014/main" id="{2C0974E5-1BC9-40F7-8E93-974C0DAE1FDF}"/>
                   </a:ext>
                 </a:extLst>
               </p:cNvPr>
@@ -4674,7 +4608,7 @@
               <p:cNvPr id="30" name="TextBox 29">
                 <a:extLst>
                   <a:ext uri="{FF2B5EF4-FFF2-40B4-BE49-F238E27FC236}">
-                    <a16:creationId xmlns:a16="http://schemas.microsoft.com/office/drawing/2014/main" xmlns="" id="{16555894-2052-4629-AC8C-51D09A69981E}"/>
+                    <a16:creationId xmlns="" xmlns:a16="http://schemas.microsoft.com/office/drawing/2014/main" id="{16555894-2052-4629-AC8C-51D09A69981E}"/>
                   </a:ext>
                 </a:extLst>
               </p:cNvPr>
@@ -4719,7 +4653,7 @@
               <p:cNvPr id="31" name="Oval 30">
                 <a:extLst>
                   <a:ext uri="{FF2B5EF4-FFF2-40B4-BE49-F238E27FC236}">
-                    <a16:creationId xmlns:a16="http://schemas.microsoft.com/office/drawing/2014/main" xmlns="" id="{A32D740E-4FA0-4A82-9673-5DA7D594BB81}"/>
+                    <a16:creationId xmlns="" xmlns:a16="http://schemas.microsoft.com/office/drawing/2014/main" id="{A32D740E-4FA0-4A82-9673-5DA7D594BB81}"/>
                   </a:ext>
                 </a:extLst>
               </p:cNvPr>
@@ -4781,7 +4715,7 @@
             <p:cNvPr id="32" name="Oval 31">
               <a:extLst>
                 <a:ext uri="{FF2B5EF4-FFF2-40B4-BE49-F238E27FC236}">
-                  <a16:creationId xmlns:a16="http://schemas.microsoft.com/office/drawing/2014/main" xmlns="" id="{7319A49C-C8E3-43D0-85D3-796A994356CE}"/>
+                  <a16:creationId xmlns="" xmlns:a16="http://schemas.microsoft.com/office/drawing/2014/main" id="{7319A49C-C8E3-43D0-85D3-796A994356CE}"/>
                 </a:ext>
               </a:extLst>
             </p:cNvPr>
@@ -4843,7 +4777,7 @@
           <p:cNvPr id="29" name="Group 28">
             <a:extLst>
               <a:ext uri="{FF2B5EF4-FFF2-40B4-BE49-F238E27FC236}">
-                <a16:creationId xmlns:a16="http://schemas.microsoft.com/office/drawing/2014/main" xmlns="" id="{36F66ED5-4FC8-4192-9B2B-2C38F1C9FDAA}"/>
+                <a16:creationId xmlns="" xmlns:a16="http://schemas.microsoft.com/office/drawing/2014/main" id="{36F66ED5-4FC8-4192-9B2B-2C38F1C9FDAA}"/>
               </a:ext>
             </a:extLst>
           </p:cNvPr>
@@ -4863,7 +4797,7 @@
             <p:cNvPr id="33" name="TextBox 32">
               <a:extLst>
                 <a:ext uri="{FF2B5EF4-FFF2-40B4-BE49-F238E27FC236}">
-                  <a16:creationId xmlns:a16="http://schemas.microsoft.com/office/drawing/2014/main" xmlns="" id="{E16FC095-9260-4C78-AF2B-6B090AC8ED7D}"/>
+                  <a16:creationId xmlns="" xmlns:a16="http://schemas.microsoft.com/office/drawing/2014/main" id="{E16FC095-9260-4C78-AF2B-6B090AC8ED7D}"/>
                 </a:ext>
               </a:extLst>
             </p:cNvPr>
@@ -4928,7 +4862,7 @@
             <p:cNvPr id="34" name="Picture 33" descr="A picture containing text, plant, leaf&#10;&#10;Description automatically generated">
               <a:extLst>
                 <a:ext uri="{FF2B5EF4-FFF2-40B4-BE49-F238E27FC236}">
-                  <a16:creationId xmlns:a16="http://schemas.microsoft.com/office/drawing/2014/main" xmlns="" id="{213A2F87-AE85-409B-B240-EC8D2A8A482A}"/>
+                  <a16:creationId xmlns="" xmlns:a16="http://schemas.microsoft.com/office/drawing/2014/main" id="{213A2F87-AE85-409B-B240-EC8D2A8A482A}"/>
                 </a:ext>
               </a:extLst>
             </p:cNvPr>
@@ -4964,7 +4898,7 @@
             <p:cNvPr id="35" name="Straight Arrow Connector 34">
               <a:extLst>
                 <a:ext uri="{FF2B5EF4-FFF2-40B4-BE49-F238E27FC236}">
-                  <a16:creationId xmlns:a16="http://schemas.microsoft.com/office/drawing/2014/main" xmlns="" id="{DE1C700E-C259-499A-AB05-B7032434F875}"/>
+                  <a16:creationId xmlns="" xmlns:a16="http://schemas.microsoft.com/office/drawing/2014/main" id="{DE1C700E-C259-499A-AB05-B7032434F875}"/>
                 </a:ext>
               </a:extLst>
             </p:cNvPr>
@@ -5040,7 +4974,7 @@
           <p:cNvPr id="13" name="TextBox 12">
             <a:extLst>
               <a:ext uri="{FF2B5EF4-FFF2-40B4-BE49-F238E27FC236}">
-                <a16:creationId xmlns:a16="http://schemas.microsoft.com/office/drawing/2014/main" xmlns="" id="{7129FB8F-D2F2-4BBB-841C-468A3A08ACF7}"/>
+                <a16:creationId xmlns="" xmlns:a16="http://schemas.microsoft.com/office/drawing/2014/main" id="{7129FB8F-D2F2-4BBB-841C-468A3A08ACF7}"/>
               </a:ext>
             </a:extLst>
           </p:cNvPr>
@@ -5080,7 +5014,7 @@
           <p:cNvPr id="14" name="TextBox 13">
             <a:extLst>
               <a:ext uri="{FF2B5EF4-FFF2-40B4-BE49-F238E27FC236}">
-                <a16:creationId xmlns:a16="http://schemas.microsoft.com/office/drawing/2014/main" xmlns="" id="{324B21C2-32DA-4463-B2B3-B60E2D9688CA}"/>
+                <a16:creationId xmlns="" xmlns:a16="http://schemas.microsoft.com/office/drawing/2014/main" id="{324B21C2-32DA-4463-B2B3-B60E2D9688CA}"/>
               </a:ext>
             </a:extLst>
           </p:cNvPr>
@@ -5120,7 +5054,7 @@
           <p:cNvPr id="15" name="TextBox 14">
             <a:extLst>
               <a:ext uri="{FF2B5EF4-FFF2-40B4-BE49-F238E27FC236}">
-                <a16:creationId xmlns:a16="http://schemas.microsoft.com/office/drawing/2014/main" xmlns="" id="{D39FC32A-1A0C-4E7C-B142-2D5B2A11592C}"/>
+                <a16:creationId xmlns="" xmlns:a16="http://schemas.microsoft.com/office/drawing/2014/main" id="{D39FC32A-1A0C-4E7C-B142-2D5B2A11592C}"/>
               </a:ext>
             </a:extLst>
           </p:cNvPr>
@@ -5160,7 +5094,7 @@
           <p:cNvPr id="16" name="TextBox 15">
             <a:extLst>
               <a:ext uri="{FF2B5EF4-FFF2-40B4-BE49-F238E27FC236}">
-                <a16:creationId xmlns:a16="http://schemas.microsoft.com/office/drawing/2014/main" xmlns="" id="{0522BDF9-D923-4F71-BF0D-37A38E2286FE}"/>
+                <a16:creationId xmlns="" xmlns:a16="http://schemas.microsoft.com/office/drawing/2014/main" id="{0522BDF9-D923-4F71-BF0D-37A38E2286FE}"/>
               </a:ext>
             </a:extLst>
           </p:cNvPr>
@@ -5200,7 +5134,7 @@
           <p:cNvPr id="17" name="Rectangle 16">
             <a:extLst>
               <a:ext uri="{FF2B5EF4-FFF2-40B4-BE49-F238E27FC236}">
-                <a16:creationId xmlns:a16="http://schemas.microsoft.com/office/drawing/2014/main" xmlns="" id="{1A04388A-862D-4BC3-B348-6E1775C2D36E}"/>
+                <a16:creationId xmlns="" xmlns:a16="http://schemas.microsoft.com/office/drawing/2014/main" id="{1A04388A-862D-4BC3-B348-6E1775C2D36E}"/>
               </a:ext>
             </a:extLst>
           </p:cNvPr>
@@ -5260,7 +5194,7 @@
           <p:cNvPr id="18" name="Rectangle 17">
             <a:extLst>
               <a:ext uri="{FF2B5EF4-FFF2-40B4-BE49-F238E27FC236}">
-                <a16:creationId xmlns:a16="http://schemas.microsoft.com/office/drawing/2014/main" xmlns="" id="{C206B774-8405-480A-B02C-DC37C059B150}"/>
+                <a16:creationId xmlns="" xmlns:a16="http://schemas.microsoft.com/office/drawing/2014/main" id="{C206B774-8405-480A-B02C-DC37C059B150}"/>
               </a:ext>
             </a:extLst>
           </p:cNvPr>
@@ -5320,7 +5254,7 @@
           <p:cNvPr id="19" name="Rectangle 18">
             <a:extLst>
               <a:ext uri="{FF2B5EF4-FFF2-40B4-BE49-F238E27FC236}">
-                <a16:creationId xmlns:a16="http://schemas.microsoft.com/office/drawing/2014/main" xmlns="" id="{5B3CDCD5-8FC4-4E7A-A1B9-D308E1448138}"/>
+                <a16:creationId xmlns="" xmlns:a16="http://schemas.microsoft.com/office/drawing/2014/main" id="{5B3CDCD5-8FC4-4E7A-A1B9-D308E1448138}"/>
               </a:ext>
             </a:extLst>
           </p:cNvPr>
@@ -5380,7 +5314,7 @@
           <p:cNvPr id="21" name="Star: 4 Points 20">
             <a:extLst>
               <a:ext uri="{FF2B5EF4-FFF2-40B4-BE49-F238E27FC236}">
-                <a16:creationId xmlns:a16="http://schemas.microsoft.com/office/drawing/2014/main" xmlns="" id="{7DA4867C-9A86-4385-894F-EE6958687663}"/>
+                <a16:creationId xmlns="" xmlns:a16="http://schemas.microsoft.com/office/drawing/2014/main" id="{7DA4867C-9A86-4385-894F-EE6958687663}"/>
               </a:ext>
             </a:extLst>
           </p:cNvPr>
@@ -5434,7 +5368,7 @@
           <p:cNvPr id="22" name="TextBox 21">
             <a:extLst>
               <a:ext uri="{FF2B5EF4-FFF2-40B4-BE49-F238E27FC236}">
-                <a16:creationId xmlns:a16="http://schemas.microsoft.com/office/drawing/2014/main" xmlns="" id="{443F8312-5579-4D4B-8EFA-8397B9893E33}"/>
+                <a16:creationId xmlns="" xmlns:a16="http://schemas.microsoft.com/office/drawing/2014/main" id="{443F8312-5579-4D4B-8EFA-8397B9893E33}"/>
               </a:ext>
             </a:extLst>
           </p:cNvPr>
@@ -5474,7 +5408,7 @@
           <p:cNvPr id="23" name="Rectangle 22">
             <a:extLst>
               <a:ext uri="{FF2B5EF4-FFF2-40B4-BE49-F238E27FC236}">
-                <a16:creationId xmlns:a16="http://schemas.microsoft.com/office/drawing/2014/main" xmlns="" id="{C3D77F39-A560-43E6-9F52-40508C5CB122}"/>
+                <a16:creationId xmlns="" xmlns:a16="http://schemas.microsoft.com/office/drawing/2014/main" id="{C3D77F39-A560-43E6-9F52-40508C5CB122}"/>
               </a:ext>
             </a:extLst>
           </p:cNvPr>
@@ -5534,7 +5468,7 @@
           <p:cNvPr id="25" name="TextBox 24">
             <a:extLst>
               <a:ext uri="{FF2B5EF4-FFF2-40B4-BE49-F238E27FC236}">
-                <a16:creationId xmlns:a16="http://schemas.microsoft.com/office/drawing/2014/main" xmlns="" id="{CC8114BC-F575-445E-B53D-763F1B094717}"/>
+                <a16:creationId xmlns="" xmlns:a16="http://schemas.microsoft.com/office/drawing/2014/main" id="{CC8114BC-F575-445E-B53D-763F1B094717}"/>
               </a:ext>
             </a:extLst>
           </p:cNvPr>
@@ -5573,7 +5507,7 @@
           <p:cNvPr id="26" name="TextBox 25">
             <a:extLst>
               <a:ext uri="{FF2B5EF4-FFF2-40B4-BE49-F238E27FC236}">
-                <a16:creationId xmlns:a16="http://schemas.microsoft.com/office/drawing/2014/main" xmlns="" id="{593537BC-FF20-431E-8D3E-D08BEF6703E4}"/>
+                <a16:creationId xmlns="" xmlns:a16="http://schemas.microsoft.com/office/drawing/2014/main" id="{593537BC-FF20-431E-8D3E-D08BEF6703E4}"/>
               </a:ext>
             </a:extLst>
           </p:cNvPr>
@@ -5619,7 +5553,7 @@
           <p:cNvPr id="20" name="TextBox 19">
             <a:extLst>
               <a:ext uri="{FF2B5EF4-FFF2-40B4-BE49-F238E27FC236}">
-                <a16:creationId xmlns:a16="http://schemas.microsoft.com/office/drawing/2014/main" xmlns="" id="{3EA7A9AD-B0AA-4167-8614-213E3F3CFAB9}"/>
+                <a16:creationId xmlns="" xmlns:a16="http://schemas.microsoft.com/office/drawing/2014/main" id="{3EA7A9AD-B0AA-4167-8614-213E3F3CFAB9}"/>
               </a:ext>
             </a:extLst>
           </p:cNvPr>
@@ -5741,7 +5675,7 @@
           <p:cNvPr id="20" name="Table 32">
             <a:extLst>
               <a:ext uri="{FF2B5EF4-FFF2-40B4-BE49-F238E27FC236}">
-                <a16:creationId xmlns:a16="http://schemas.microsoft.com/office/drawing/2014/main" xmlns="" id="{1CE0B5FA-1F0D-42F4-A2C3-B8833D19B29B}"/>
+                <a16:creationId xmlns="" xmlns:a16="http://schemas.microsoft.com/office/drawing/2014/main" id="{1CE0B5FA-1F0D-42F4-A2C3-B8833D19B29B}"/>
               </a:ext>
             </a:extLst>
           </p:cNvPr>
@@ -5770,42 +5704,42 @@
                 <a:gridCol w="1188720">
                   <a:extLst>
                     <a:ext uri="{9D8B030D-6E8A-4147-A177-3AD203B41FA5}">
-                      <a16:colId xmlns:a16="http://schemas.microsoft.com/office/drawing/2014/main" xmlns="" val="886900834"/>
+                      <a16:colId xmlns="" xmlns:a16="http://schemas.microsoft.com/office/drawing/2014/main" val="886900834"/>
                     </a:ext>
                   </a:extLst>
                 </a:gridCol>
                 <a:gridCol w="1097280">
                   <a:extLst>
                     <a:ext uri="{9D8B030D-6E8A-4147-A177-3AD203B41FA5}">
-                      <a16:colId xmlns:a16="http://schemas.microsoft.com/office/drawing/2014/main" xmlns="" val="2866511701"/>
+                      <a16:colId xmlns="" xmlns:a16="http://schemas.microsoft.com/office/drawing/2014/main" val="2866511701"/>
                     </a:ext>
                   </a:extLst>
                 </a:gridCol>
                 <a:gridCol w="914388">
                   <a:extLst>
                     <a:ext uri="{9D8B030D-6E8A-4147-A177-3AD203B41FA5}">
-                      <a16:colId xmlns:a16="http://schemas.microsoft.com/office/drawing/2014/main" xmlns="" val="1258199888"/>
+                      <a16:colId xmlns="" xmlns:a16="http://schemas.microsoft.com/office/drawing/2014/main" val="1258199888"/>
                     </a:ext>
                   </a:extLst>
                 </a:gridCol>
                 <a:gridCol w="914388">
                   <a:extLst>
                     <a:ext uri="{9D8B030D-6E8A-4147-A177-3AD203B41FA5}">
-                      <a16:colId xmlns:a16="http://schemas.microsoft.com/office/drawing/2014/main" xmlns="" val="4185574784"/>
+                      <a16:colId xmlns="" xmlns:a16="http://schemas.microsoft.com/office/drawing/2014/main" val="4185574784"/>
                     </a:ext>
                   </a:extLst>
                 </a:gridCol>
                 <a:gridCol w="914388">
                   <a:extLst>
                     <a:ext uri="{9D8B030D-6E8A-4147-A177-3AD203B41FA5}">
-                      <a16:colId xmlns:a16="http://schemas.microsoft.com/office/drawing/2014/main" xmlns="" val="3524960884"/>
+                      <a16:colId xmlns="" xmlns:a16="http://schemas.microsoft.com/office/drawing/2014/main" val="3524960884"/>
                     </a:ext>
                   </a:extLst>
                 </a:gridCol>
                 <a:gridCol w="914388">
                   <a:extLst>
                     <a:ext uri="{9D8B030D-6E8A-4147-A177-3AD203B41FA5}">
-                      <a16:colId xmlns:a16="http://schemas.microsoft.com/office/drawing/2014/main" xmlns="" val="1048151436"/>
+                      <a16:colId xmlns="" xmlns:a16="http://schemas.microsoft.com/office/drawing/2014/main" val="1048151436"/>
                     </a:ext>
                   </a:extLst>
                 </a:gridCol>
@@ -6333,7 +6267,7 @@
                 </a:tc>
                 <a:extLst>
                   <a:ext uri="{0D108BD9-81ED-4DB2-BD59-A6C34878D82A}">
-                    <a16:rowId xmlns:a16="http://schemas.microsoft.com/office/drawing/2014/main" xmlns="" val="3165179243"/>
+                    <a16:rowId xmlns="" xmlns:a16="http://schemas.microsoft.com/office/drawing/2014/main" val="3165179243"/>
                   </a:ext>
                 </a:extLst>
               </a:tr>
@@ -6772,7 +6706,7 @@
                 </a:tc>
                 <a:extLst>
                   <a:ext uri="{0D108BD9-81ED-4DB2-BD59-A6C34878D82A}">
-                    <a16:rowId xmlns:a16="http://schemas.microsoft.com/office/drawing/2014/main" xmlns="" val="510709020"/>
+                    <a16:rowId xmlns="" xmlns:a16="http://schemas.microsoft.com/office/drawing/2014/main" val="510709020"/>
                   </a:ext>
                 </a:extLst>
               </a:tr>
@@ -7211,7 +7145,7 @@
                 </a:tc>
                 <a:extLst>
                   <a:ext uri="{0D108BD9-81ED-4DB2-BD59-A6C34878D82A}">
-                    <a16:rowId xmlns:a16="http://schemas.microsoft.com/office/drawing/2014/main" xmlns="" val="3740518224"/>
+                    <a16:rowId xmlns="" xmlns:a16="http://schemas.microsoft.com/office/drawing/2014/main" val="3740518224"/>
                   </a:ext>
                 </a:extLst>
               </a:tr>
@@ -7650,7 +7584,7 @@
                 </a:tc>
                 <a:extLst>
                   <a:ext uri="{0D108BD9-81ED-4DB2-BD59-A6C34878D82A}">
-                    <a16:rowId xmlns:a16="http://schemas.microsoft.com/office/drawing/2014/main" xmlns="" val="2785057674"/>
+                    <a16:rowId xmlns="" xmlns:a16="http://schemas.microsoft.com/office/drawing/2014/main" val="2785057674"/>
                   </a:ext>
                 </a:extLst>
               </a:tr>
@@ -8105,7 +8039,7 @@
                 </a:tc>
                 <a:extLst>
                   <a:ext uri="{0D108BD9-81ED-4DB2-BD59-A6C34878D82A}">
-                    <a16:rowId xmlns:a16="http://schemas.microsoft.com/office/drawing/2014/main" xmlns="" val="63079533"/>
+                    <a16:rowId xmlns="" xmlns:a16="http://schemas.microsoft.com/office/drawing/2014/main" val="63079533"/>
                   </a:ext>
                 </a:extLst>
               </a:tr>
@@ -8544,7 +8478,7 @@
                 </a:tc>
                 <a:extLst>
                   <a:ext uri="{0D108BD9-81ED-4DB2-BD59-A6C34878D82A}">
-                    <a16:rowId xmlns:a16="http://schemas.microsoft.com/office/drawing/2014/main" xmlns="" val="3916113686"/>
+                    <a16:rowId xmlns="" xmlns:a16="http://schemas.microsoft.com/office/drawing/2014/main" val="3916113686"/>
                   </a:ext>
                 </a:extLst>
               </a:tr>
@@ -8557,7 +8491,7 @@
           <p:cNvPr id="5" name="TextBox 4">
             <a:extLst>
               <a:ext uri="{FF2B5EF4-FFF2-40B4-BE49-F238E27FC236}">
-                <a16:creationId xmlns:a16="http://schemas.microsoft.com/office/drawing/2014/main" xmlns="" id="{17BA40AC-7246-4F36-B35A-81074C4315C3}"/>
+                <a16:creationId xmlns="" xmlns:a16="http://schemas.microsoft.com/office/drawing/2014/main" id="{17BA40AC-7246-4F36-B35A-81074C4315C3}"/>
               </a:ext>
             </a:extLst>
           </p:cNvPr>
@@ -8597,7 +8531,7 @@
           <p:cNvPr id="6" name="Rectangle 5">
             <a:extLst>
               <a:ext uri="{FF2B5EF4-FFF2-40B4-BE49-F238E27FC236}">
-                <a16:creationId xmlns:a16="http://schemas.microsoft.com/office/drawing/2014/main" xmlns="" id="{672C31F3-786C-4C55-A41A-E2EEF7424910}"/>
+                <a16:creationId xmlns="" xmlns:a16="http://schemas.microsoft.com/office/drawing/2014/main" id="{672C31F3-786C-4C55-A41A-E2EEF7424910}"/>
               </a:ext>
             </a:extLst>
           </p:cNvPr>
@@ -8875,7 +8809,15 @@
                   <a:srgbClr val="404040"/>
                 </a:solidFill>
               </a:rPr>
-              <a:t>” if the template was used to process data or directly from the output/</a:t>
+              <a:t>” if the template was used to process data or directly from the </a:t>
+            </a:r>
+            <a:r>
+              <a:rPr lang="en-US" sz="1200" dirty="0" smtClean="0">
+                <a:solidFill>
+                  <a:srgbClr val="404040"/>
+                </a:solidFill>
+              </a:rPr>
+              <a:t>output/met/</a:t>
             </a:r>
             <a:r>
               <a:rPr lang="en-US" sz="1200" dirty="0" err="1" smtClean="0">
@@ -8891,7 +8833,15 @@
                   <a:srgbClr val="404040"/>
                 </a:solidFill>
               </a:rPr>
-              <a:t> csv files. </a:t>
+              <a:t> </a:t>
+            </a:r>
+            <a:r>
+              <a:rPr lang="en-US" sz="1200" dirty="0" smtClean="0">
+                <a:solidFill>
+                  <a:srgbClr val="404040"/>
+                </a:solidFill>
+              </a:rPr>
+              <a:t>csv files. </a:t>
             </a:r>
           </a:p>
           <a:p>
@@ -9130,7 +9080,7 @@
           <p:cNvPr id="12" name="Rectangle 11">
             <a:extLst>
               <a:ext uri="{FF2B5EF4-FFF2-40B4-BE49-F238E27FC236}">
-                <a16:creationId xmlns:a16="http://schemas.microsoft.com/office/drawing/2014/main" xmlns="" id="{5B3CDCD5-8FC4-4E7A-A1B9-D308E1448138}"/>
+                <a16:creationId xmlns="" xmlns:a16="http://schemas.microsoft.com/office/drawing/2014/main" id="{5B3CDCD5-8FC4-4E7A-A1B9-D308E1448138}"/>
               </a:ext>
             </a:extLst>
           </p:cNvPr>
@@ -9220,7 +9170,7 @@
           <p:cNvPr id="12" name="TextBox 11">
             <a:extLst>
               <a:ext uri="{FF2B5EF4-FFF2-40B4-BE49-F238E27FC236}">
-                <a16:creationId xmlns:a16="http://schemas.microsoft.com/office/drawing/2014/main" xmlns="" id="{C3E81A97-9F9A-489C-AB12-39CF76A6BF84}"/>
+                <a16:creationId xmlns="" xmlns:a16="http://schemas.microsoft.com/office/drawing/2014/main" id="{C3E81A97-9F9A-489C-AB12-39CF76A6BF84}"/>
               </a:ext>
             </a:extLst>
           </p:cNvPr>
@@ -9260,7 +9210,7 @@
           <p:cNvPr id="13" name="TextBox 12">
             <a:extLst>
               <a:ext uri="{FF2B5EF4-FFF2-40B4-BE49-F238E27FC236}">
-                <a16:creationId xmlns:a16="http://schemas.microsoft.com/office/drawing/2014/main" xmlns="" id="{C5C813FF-91B7-47E2-A817-63BFF70030EF}"/>
+                <a16:creationId xmlns="" xmlns:a16="http://schemas.microsoft.com/office/drawing/2014/main" id="{C5C813FF-91B7-47E2-A817-63BFF70030EF}"/>
               </a:ext>
             </a:extLst>
           </p:cNvPr>
@@ -9300,7 +9250,7 @@
           <p:cNvPr id="14" name="Rectangle 13">
             <a:extLst>
               <a:ext uri="{FF2B5EF4-FFF2-40B4-BE49-F238E27FC236}">
-                <a16:creationId xmlns:a16="http://schemas.microsoft.com/office/drawing/2014/main" xmlns="" id="{09AA261B-F752-4C58-A4F4-62A7106B2923}"/>
+                <a16:creationId xmlns="" xmlns:a16="http://schemas.microsoft.com/office/drawing/2014/main" id="{09AA261B-F752-4C58-A4F4-62A7106B2923}"/>
               </a:ext>
             </a:extLst>
           </p:cNvPr>
@@ -9360,7 +9310,7 @@
           <p:cNvPr id="15" name="TextBox 14">
             <a:extLst>
               <a:ext uri="{FF2B5EF4-FFF2-40B4-BE49-F238E27FC236}">
-                <a16:creationId xmlns:a16="http://schemas.microsoft.com/office/drawing/2014/main" xmlns="" id="{44DCB708-16C7-496E-B201-B4B5C9410A59}"/>
+                <a16:creationId xmlns="" xmlns:a16="http://schemas.microsoft.com/office/drawing/2014/main" id="{44DCB708-16C7-496E-B201-B4B5C9410A59}"/>
               </a:ext>
             </a:extLst>
           </p:cNvPr>
@@ -9403,7 +9353,7 @@
           <p:cNvPr id="16" name="TextBox 15">
             <a:extLst>
               <a:ext uri="{FF2B5EF4-FFF2-40B4-BE49-F238E27FC236}">
-                <a16:creationId xmlns:a16="http://schemas.microsoft.com/office/drawing/2014/main" xmlns="" id="{5BED52DB-5C28-4B68-B326-CA02247C22D7}"/>
+                <a16:creationId xmlns="" xmlns:a16="http://schemas.microsoft.com/office/drawing/2014/main" id="{5BED52DB-5C28-4B68-B326-CA02247C22D7}"/>
               </a:ext>
             </a:extLst>
           </p:cNvPr>
@@ -9443,7 +9393,7 @@
           <p:cNvPr id="17" name="Rectangle 16">
             <a:extLst>
               <a:ext uri="{FF2B5EF4-FFF2-40B4-BE49-F238E27FC236}">
-                <a16:creationId xmlns:a16="http://schemas.microsoft.com/office/drawing/2014/main" xmlns="" id="{84095DF2-06C8-4BFA-AD53-42330693822F}"/>
+                <a16:creationId xmlns="" xmlns:a16="http://schemas.microsoft.com/office/drawing/2014/main" id="{84095DF2-06C8-4BFA-AD53-42330693822F}"/>
               </a:ext>
             </a:extLst>
           </p:cNvPr>
@@ -9503,7 +9453,7 @@
           <p:cNvPr id="18" name="Rectangle 17">
             <a:extLst>
               <a:ext uri="{FF2B5EF4-FFF2-40B4-BE49-F238E27FC236}">
-                <a16:creationId xmlns:a16="http://schemas.microsoft.com/office/drawing/2014/main" xmlns="" id="{77098C6C-7942-4792-82E3-E81CF0114F68}"/>
+                <a16:creationId xmlns="" xmlns:a16="http://schemas.microsoft.com/office/drawing/2014/main" id="{77098C6C-7942-4792-82E3-E81CF0114F68}"/>
               </a:ext>
             </a:extLst>
           </p:cNvPr>
@@ -9563,7 +9513,7 @@
           <p:cNvPr id="19" name="TextBox 18">
             <a:extLst>
               <a:ext uri="{FF2B5EF4-FFF2-40B4-BE49-F238E27FC236}">
-                <a16:creationId xmlns:a16="http://schemas.microsoft.com/office/drawing/2014/main" xmlns="" id="{2C0BE5E7-B474-49F4-8EC2-5171F768EA8A}"/>
+                <a16:creationId xmlns="" xmlns:a16="http://schemas.microsoft.com/office/drawing/2014/main" id="{2C0BE5E7-B474-49F4-8EC2-5171F768EA8A}"/>
               </a:ext>
             </a:extLst>
           </p:cNvPr>
@@ -9606,7 +9556,7 @@
           <p:cNvPr id="20" name="Straight Arrow Connector 19">
             <a:extLst>
               <a:ext uri="{FF2B5EF4-FFF2-40B4-BE49-F238E27FC236}">
-                <a16:creationId xmlns:a16="http://schemas.microsoft.com/office/drawing/2014/main" xmlns="" id="{A33B07C4-55CF-4015-BEA8-0A1D0CC20A06}"/>
+                <a16:creationId xmlns="" xmlns:a16="http://schemas.microsoft.com/office/drawing/2014/main" id="{A33B07C4-55CF-4015-BEA8-0A1D0CC20A06}"/>
               </a:ext>
             </a:extLst>
           </p:cNvPr>
@@ -9650,7 +9600,7 @@
           <p:cNvPr id="21" name="Rectangle 20">
             <a:extLst>
               <a:ext uri="{FF2B5EF4-FFF2-40B4-BE49-F238E27FC236}">
-                <a16:creationId xmlns:a16="http://schemas.microsoft.com/office/drawing/2014/main" xmlns="" id="{3A71F55C-33C4-4784-ABF3-F60B5A1D43FB}"/>
+                <a16:creationId xmlns="" xmlns:a16="http://schemas.microsoft.com/office/drawing/2014/main" id="{3A71F55C-33C4-4784-ABF3-F60B5A1D43FB}"/>
               </a:ext>
             </a:extLst>
           </p:cNvPr>
@@ -9710,7 +9660,7 @@
           <p:cNvPr id="22" name="Rectangle 21">
             <a:extLst>
               <a:ext uri="{FF2B5EF4-FFF2-40B4-BE49-F238E27FC236}">
-                <a16:creationId xmlns:a16="http://schemas.microsoft.com/office/drawing/2014/main" xmlns="" id="{A87E0C3D-50BC-4D5A-B9E9-FC28157BCAE6}"/>
+                <a16:creationId xmlns="" xmlns:a16="http://schemas.microsoft.com/office/drawing/2014/main" id="{A87E0C3D-50BC-4D5A-B9E9-FC28157BCAE6}"/>
               </a:ext>
             </a:extLst>
           </p:cNvPr>
@@ -9770,7 +9720,7 @@
           <p:cNvPr id="23" name="Rectangle 22">
             <a:extLst>
               <a:ext uri="{FF2B5EF4-FFF2-40B4-BE49-F238E27FC236}">
-                <a16:creationId xmlns:a16="http://schemas.microsoft.com/office/drawing/2014/main" xmlns="" id="{00EEA207-2ABE-43F1-A33E-34E7A008601C}"/>
+                <a16:creationId xmlns="" xmlns:a16="http://schemas.microsoft.com/office/drawing/2014/main" id="{00EEA207-2ABE-43F1-A33E-34E7A008601C}"/>
               </a:ext>
             </a:extLst>
           </p:cNvPr>
@@ -9830,7 +9780,7 @@
           <p:cNvPr id="25" name="Group 24">
             <a:extLst>
               <a:ext uri="{FF2B5EF4-FFF2-40B4-BE49-F238E27FC236}">
-                <a16:creationId xmlns:a16="http://schemas.microsoft.com/office/drawing/2014/main" xmlns="" id="{7D704467-35F6-4B2F-B5C7-1367E0CC2B4B}"/>
+                <a16:creationId xmlns="" xmlns:a16="http://schemas.microsoft.com/office/drawing/2014/main" id="{7D704467-35F6-4B2F-B5C7-1367E0CC2B4B}"/>
               </a:ext>
             </a:extLst>
           </p:cNvPr>
@@ -9850,7 +9800,7 @@
             <p:cNvPr id="26" name="Rectangle 25">
               <a:extLst>
                 <a:ext uri="{FF2B5EF4-FFF2-40B4-BE49-F238E27FC236}">
-                  <a16:creationId xmlns:a16="http://schemas.microsoft.com/office/drawing/2014/main" xmlns="" id="{DDF67AAF-8687-4FF3-9CFC-34C721DE5D7E}"/>
+                  <a16:creationId xmlns="" xmlns:a16="http://schemas.microsoft.com/office/drawing/2014/main" id="{DDF67AAF-8687-4FF3-9CFC-34C721DE5D7E}"/>
                 </a:ext>
               </a:extLst>
             </p:cNvPr>
@@ -9899,7 +9849,7 @@
             <p:cNvPr id="27" name="Rectangle 26">
               <a:extLst>
                 <a:ext uri="{FF2B5EF4-FFF2-40B4-BE49-F238E27FC236}">
-                  <a16:creationId xmlns:a16="http://schemas.microsoft.com/office/drawing/2014/main" xmlns="" id="{2D0A2E57-AEB7-4926-81BC-5CBD2B2CA73D}"/>
+                  <a16:creationId xmlns="" xmlns:a16="http://schemas.microsoft.com/office/drawing/2014/main" id="{2D0A2E57-AEB7-4926-81BC-5CBD2B2CA73D}"/>
                 </a:ext>
               </a:extLst>
             </p:cNvPr>
@@ -9957,7 +9907,7 @@
           <p:cNvPr id="29" name="TextBox 28">
             <a:extLst>
               <a:ext uri="{FF2B5EF4-FFF2-40B4-BE49-F238E27FC236}">
-                <a16:creationId xmlns:a16="http://schemas.microsoft.com/office/drawing/2014/main" xmlns="" id="{3D979E69-A492-4A37-BA64-2E9E36A09CE2}"/>
+                <a16:creationId xmlns="" xmlns:a16="http://schemas.microsoft.com/office/drawing/2014/main" id="{3D979E69-A492-4A37-BA64-2E9E36A09CE2}"/>
               </a:ext>
             </a:extLst>
           </p:cNvPr>
@@ -9997,7 +9947,7 @@
           <p:cNvPr id="30" name="TextBox 29">
             <a:extLst>
               <a:ext uri="{FF2B5EF4-FFF2-40B4-BE49-F238E27FC236}">
-                <a16:creationId xmlns:a16="http://schemas.microsoft.com/office/drawing/2014/main" xmlns="" id="{7B0B77AD-C0E4-458E-913B-6DC0A9749A38}"/>
+                <a16:creationId xmlns="" xmlns:a16="http://schemas.microsoft.com/office/drawing/2014/main" id="{7B0B77AD-C0E4-458E-913B-6DC0A9749A38}"/>
               </a:ext>
             </a:extLst>
           </p:cNvPr>
@@ -10036,7 +9986,7 @@
           <p:cNvPr id="31" name="Curved Connector 34">
             <a:extLst>
               <a:ext uri="{FF2B5EF4-FFF2-40B4-BE49-F238E27FC236}">
-                <a16:creationId xmlns:a16="http://schemas.microsoft.com/office/drawing/2014/main" xmlns="" id="{B1A7B1D3-B695-4937-8C1B-A7DEBB1140A1}"/>
+                <a16:creationId xmlns="" xmlns:a16="http://schemas.microsoft.com/office/drawing/2014/main" id="{B1A7B1D3-B695-4937-8C1B-A7DEBB1140A1}"/>
               </a:ext>
             </a:extLst>
           </p:cNvPr>
@@ -10082,7 +10032,7 @@
           <p:cNvPr id="32" name="Curved Connector 34">
             <a:extLst>
               <a:ext uri="{FF2B5EF4-FFF2-40B4-BE49-F238E27FC236}">
-                <a16:creationId xmlns:a16="http://schemas.microsoft.com/office/drawing/2014/main" xmlns="" id="{13E44A65-521F-460F-848E-12D771A4DBD3}"/>
+                <a16:creationId xmlns="" xmlns:a16="http://schemas.microsoft.com/office/drawing/2014/main" id="{13E44A65-521F-460F-848E-12D771A4DBD3}"/>
               </a:ext>
             </a:extLst>
           </p:cNvPr>
@@ -10128,7 +10078,7 @@
           <p:cNvPr id="33" name="Curved Connector 34">
             <a:extLst>
               <a:ext uri="{FF2B5EF4-FFF2-40B4-BE49-F238E27FC236}">
-                <a16:creationId xmlns:a16="http://schemas.microsoft.com/office/drawing/2014/main" xmlns="" id="{87AAA980-A888-4BEE-BC9E-DF39E7F1C00A}"/>
+                <a16:creationId xmlns="" xmlns:a16="http://schemas.microsoft.com/office/drawing/2014/main" id="{87AAA980-A888-4BEE-BC9E-DF39E7F1C00A}"/>
               </a:ext>
             </a:extLst>
           </p:cNvPr>
@@ -10174,7 +10124,7 @@
           <p:cNvPr id="34" name="TextBox 33">
             <a:extLst>
               <a:ext uri="{FF2B5EF4-FFF2-40B4-BE49-F238E27FC236}">
-                <a16:creationId xmlns:a16="http://schemas.microsoft.com/office/drawing/2014/main" xmlns="" id="{FD24B924-7603-4665-9C71-9A217EAEB64A}"/>
+                <a16:creationId xmlns="" xmlns:a16="http://schemas.microsoft.com/office/drawing/2014/main" id="{FD24B924-7603-4665-9C71-9A217EAEB64A}"/>
               </a:ext>
             </a:extLst>
           </p:cNvPr>
@@ -10214,7 +10164,7 @@
           <p:cNvPr id="35" name="Rectangle 34">
             <a:extLst>
               <a:ext uri="{FF2B5EF4-FFF2-40B4-BE49-F238E27FC236}">
-                <a16:creationId xmlns:a16="http://schemas.microsoft.com/office/drawing/2014/main" xmlns="" id="{672C31F3-786C-4C55-A41A-E2EEF7424910}"/>
+                <a16:creationId xmlns="" xmlns:a16="http://schemas.microsoft.com/office/drawing/2014/main" id="{672C31F3-786C-4C55-A41A-E2EEF7424910}"/>
               </a:ext>
             </a:extLst>
           </p:cNvPr>
@@ -10274,7 +10224,7 @@
           <p:cNvPr id="36" name="Rectangle 35">
             <a:extLst>
               <a:ext uri="{FF2B5EF4-FFF2-40B4-BE49-F238E27FC236}">
-                <a16:creationId xmlns:a16="http://schemas.microsoft.com/office/drawing/2014/main" xmlns="" id="{70B547CF-C80A-4AA7-B28F-5EE2A9C4886D}"/>
+                <a16:creationId xmlns="" xmlns:a16="http://schemas.microsoft.com/office/drawing/2014/main" id="{70B547CF-C80A-4AA7-B28F-5EE2A9C4886D}"/>
               </a:ext>
             </a:extLst>
           </p:cNvPr>
@@ -10334,7 +10284,7 @@
           <p:cNvPr id="37" name="TextBox 36">
             <a:extLst>
               <a:ext uri="{FF2B5EF4-FFF2-40B4-BE49-F238E27FC236}">
-                <a16:creationId xmlns:a16="http://schemas.microsoft.com/office/drawing/2014/main" xmlns="" id="{432CC664-AD80-4C25-A998-8709BB2EE161}"/>
+                <a16:creationId xmlns="" xmlns:a16="http://schemas.microsoft.com/office/drawing/2014/main" id="{432CC664-AD80-4C25-A998-8709BB2EE161}"/>
               </a:ext>
             </a:extLst>
           </p:cNvPr>
@@ -10373,7 +10323,7 @@
           <p:cNvPr id="38" name="TextBox 37">
             <a:extLst>
               <a:ext uri="{FF2B5EF4-FFF2-40B4-BE49-F238E27FC236}">
-                <a16:creationId xmlns:a16="http://schemas.microsoft.com/office/drawing/2014/main" xmlns="" id="{B4ED6FFD-DF9B-4B96-A7FD-69E178B8BEF1}"/>
+                <a16:creationId xmlns="" xmlns:a16="http://schemas.microsoft.com/office/drawing/2014/main" id="{B4ED6FFD-DF9B-4B96-A7FD-69E178B8BEF1}"/>
               </a:ext>
             </a:extLst>
           </p:cNvPr>
@@ -10422,7 +10372,7 @@
           <p:cNvPr id="28" name="Rectangle 27">
             <a:extLst>
               <a:ext uri="{FF2B5EF4-FFF2-40B4-BE49-F238E27FC236}">
-                <a16:creationId xmlns:a16="http://schemas.microsoft.com/office/drawing/2014/main" xmlns="" id="{53C7814A-315A-432F-A7CE-EF974274DFB2}"/>
+                <a16:creationId xmlns="" xmlns:a16="http://schemas.microsoft.com/office/drawing/2014/main" id="{53C7814A-315A-432F-A7CE-EF974274DFB2}"/>
               </a:ext>
             </a:extLst>
           </p:cNvPr>
@@ -10482,7 +10432,7 @@
           <p:cNvPr id="39" name="TextBox 38">
             <a:extLst>
               <a:ext uri="{FF2B5EF4-FFF2-40B4-BE49-F238E27FC236}">
-                <a16:creationId xmlns:a16="http://schemas.microsoft.com/office/drawing/2014/main" xmlns="" id="{A6E6FA96-D3F4-410E-AACB-C8B09EBB832E}"/>
+                <a16:creationId xmlns="" xmlns:a16="http://schemas.microsoft.com/office/drawing/2014/main" id="{A6E6FA96-D3F4-410E-AACB-C8B09EBB832E}"/>
               </a:ext>
             </a:extLst>
           </p:cNvPr>
@@ -10594,7 +10544,7 @@
           <p:cNvPr id="20" name="Table 32">
             <a:extLst>
               <a:ext uri="{FF2B5EF4-FFF2-40B4-BE49-F238E27FC236}">
-                <a16:creationId xmlns:a16="http://schemas.microsoft.com/office/drawing/2014/main" xmlns="" id="{1CE0B5FA-1F0D-42F4-A2C3-B8833D19B29B}"/>
+                <a16:creationId xmlns="" xmlns:a16="http://schemas.microsoft.com/office/drawing/2014/main" id="{1CE0B5FA-1F0D-42F4-A2C3-B8833D19B29B}"/>
               </a:ext>
             </a:extLst>
           </p:cNvPr>
@@ -10623,49 +10573,49 @@
                 <a:gridCol w="1195968">
                   <a:extLst>
                     <a:ext uri="{9D8B030D-6E8A-4147-A177-3AD203B41FA5}">
-                      <a16:colId xmlns:a16="http://schemas.microsoft.com/office/drawing/2014/main" xmlns="" val="886900834"/>
+                      <a16:colId xmlns="" xmlns:a16="http://schemas.microsoft.com/office/drawing/2014/main" val="886900834"/>
                     </a:ext>
                   </a:extLst>
                 </a:gridCol>
                 <a:gridCol w="735980">
                   <a:extLst>
                     <a:ext uri="{9D8B030D-6E8A-4147-A177-3AD203B41FA5}">
-                      <a16:colId xmlns:a16="http://schemas.microsoft.com/office/drawing/2014/main" xmlns="" val="2866511701"/>
+                      <a16:colId xmlns="" xmlns:a16="http://schemas.microsoft.com/office/drawing/2014/main" val="2866511701"/>
                     </a:ext>
                   </a:extLst>
                 </a:gridCol>
                 <a:gridCol w="809579">
                   <a:extLst>
                     <a:ext uri="{9D8B030D-6E8A-4147-A177-3AD203B41FA5}">
-                      <a16:colId xmlns:a16="http://schemas.microsoft.com/office/drawing/2014/main" xmlns="" val="1258199888"/>
+                      <a16:colId xmlns="" xmlns:a16="http://schemas.microsoft.com/office/drawing/2014/main" val="1258199888"/>
                     </a:ext>
                   </a:extLst>
                 </a:gridCol>
                 <a:gridCol w="809579">
                   <a:extLst>
                     <a:ext uri="{9D8B030D-6E8A-4147-A177-3AD203B41FA5}">
-                      <a16:colId xmlns:a16="http://schemas.microsoft.com/office/drawing/2014/main" xmlns="" val="4185574784"/>
+                      <a16:colId xmlns="" xmlns:a16="http://schemas.microsoft.com/office/drawing/2014/main" val="4185574784"/>
                     </a:ext>
                   </a:extLst>
                 </a:gridCol>
                 <a:gridCol w="827978">
                   <a:extLst>
                     <a:ext uri="{9D8B030D-6E8A-4147-A177-3AD203B41FA5}">
-                      <a16:colId xmlns:a16="http://schemas.microsoft.com/office/drawing/2014/main" xmlns="" val="3524960884"/>
+                      <a16:colId xmlns="" xmlns:a16="http://schemas.microsoft.com/office/drawing/2014/main" val="3524960884"/>
                     </a:ext>
                   </a:extLst>
                 </a:gridCol>
                 <a:gridCol w="827978">
                   <a:extLst>
                     <a:ext uri="{9D8B030D-6E8A-4147-A177-3AD203B41FA5}">
-                      <a16:colId xmlns:a16="http://schemas.microsoft.com/office/drawing/2014/main" xmlns="" val="1048151436"/>
+                      <a16:colId xmlns="" xmlns:a16="http://schemas.microsoft.com/office/drawing/2014/main" val="1048151436"/>
                     </a:ext>
                   </a:extLst>
                 </a:gridCol>
                 <a:gridCol w="827978">
                   <a:extLst>
                     <a:ext uri="{9D8B030D-6E8A-4147-A177-3AD203B41FA5}">
-                      <a16:colId xmlns:a16="http://schemas.microsoft.com/office/drawing/2014/main" xmlns="" val="2934377722"/>
+                      <a16:colId xmlns="" xmlns:a16="http://schemas.microsoft.com/office/drawing/2014/main" val="2934377722"/>
                     </a:ext>
                   </a:extLst>
                 </a:gridCol>
@@ -11298,7 +11248,7 @@
                 </a:tc>
                 <a:extLst>
                   <a:ext uri="{0D108BD9-81ED-4DB2-BD59-A6C34878D82A}">
-                    <a16:rowId xmlns:a16="http://schemas.microsoft.com/office/drawing/2014/main" xmlns="" val="3165179243"/>
+                    <a16:rowId xmlns="" xmlns:a16="http://schemas.microsoft.com/office/drawing/2014/main" val="3165179243"/>
                   </a:ext>
                 </a:extLst>
               </a:tr>
@@ -11809,7 +11759,7 @@
                 </a:tc>
                 <a:extLst>
                   <a:ext uri="{0D108BD9-81ED-4DB2-BD59-A6C34878D82A}">
-                    <a16:rowId xmlns:a16="http://schemas.microsoft.com/office/drawing/2014/main" xmlns="" val="510709020"/>
+                    <a16:rowId xmlns="" xmlns:a16="http://schemas.microsoft.com/office/drawing/2014/main" val="510709020"/>
                   </a:ext>
                 </a:extLst>
               </a:tr>
@@ -12320,7 +12270,7 @@
                 </a:tc>
                 <a:extLst>
                   <a:ext uri="{0D108BD9-81ED-4DB2-BD59-A6C34878D82A}">
-                    <a16:rowId xmlns:a16="http://schemas.microsoft.com/office/drawing/2014/main" xmlns="" val="3740518224"/>
+                    <a16:rowId xmlns="" xmlns:a16="http://schemas.microsoft.com/office/drawing/2014/main" val="3740518224"/>
                   </a:ext>
                 </a:extLst>
               </a:tr>
@@ -12831,7 +12781,7 @@
                 </a:tc>
                 <a:extLst>
                   <a:ext uri="{0D108BD9-81ED-4DB2-BD59-A6C34878D82A}">
-                    <a16:rowId xmlns:a16="http://schemas.microsoft.com/office/drawing/2014/main" xmlns="" val="2785057674"/>
+                    <a16:rowId xmlns="" xmlns:a16="http://schemas.microsoft.com/office/drawing/2014/main" val="2785057674"/>
                   </a:ext>
                 </a:extLst>
               </a:tr>
@@ -13358,7 +13308,7 @@
                 </a:tc>
                 <a:extLst>
                   <a:ext uri="{0D108BD9-81ED-4DB2-BD59-A6C34878D82A}">
-                    <a16:rowId xmlns:a16="http://schemas.microsoft.com/office/drawing/2014/main" xmlns="" val="63079533"/>
+                    <a16:rowId xmlns="" xmlns:a16="http://schemas.microsoft.com/office/drawing/2014/main" val="63079533"/>
                   </a:ext>
                 </a:extLst>
               </a:tr>
@@ -13869,7 +13819,7 @@
                 </a:tc>
                 <a:extLst>
                   <a:ext uri="{0D108BD9-81ED-4DB2-BD59-A6C34878D82A}">
-                    <a16:rowId xmlns:a16="http://schemas.microsoft.com/office/drawing/2014/main" xmlns="" val="3916113686"/>
+                    <a16:rowId xmlns="" xmlns:a16="http://schemas.microsoft.com/office/drawing/2014/main" val="3916113686"/>
                   </a:ext>
                 </a:extLst>
               </a:tr>
@@ -13882,7 +13832,7 @@
           <p:cNvPr id="5" name="TextBox 4">
             <a:extLst>
               <a:ext uri="{FF2B5EF4-FFF2-40B4-BE49-F238E27FC236}">
-                <a16:creationId xmlns:a16="http://schemas.microsoft.com/office/drawing/2014/main" xmlns="" id="{17BA40AC-7246-4F36-B35A-81074C4315C3}"/>
+                <a16:creationId xmlns="" xmlns:a16="http://schemas.microsoft.com/office/drawing/2014/main" id="{17BA40AC-7246-4F36-B35A-81074C4315C3}"/>
               </a:ext>
             </a:extLst>
           </p:cNvPr>
@@ -13999,7 +13949,31 @@
                   <a:srgbClr val="404040"/>
                 </a:solidFill>
               </a:rPr>
-              <a:t>” if the template was used to process data or directly from the output/</a:t>
+              <a:t>” if the template was used to process data or directly from the </a:t>
+            </a:r>
+            <a:r>
+              <a:rPr lang="en-US" sz="1200" dirty="0" smtClean="0">
+                <a:solidFill>
+                  <a:srgbClr val="404040"/>
+                </a:solidFill>
+              </a:rPr>
+              <a:t>output/</a:t>
+            </a:r>
+            <a:r>
+              <a:rPr lang="en-US" sz="1200" dirty="0" err="1" smtClean="0">
+                <a:solidFill>
+                  <a:srgbClr val="404040"/>
+                </a:solidFill>
+              </a:rPr>
+              <a:t>wq</a:t>
+            </a:r>
+            <a:r>
+              <a:rPr lang="en-US" sz="1200" dirty="0" smtClean="0">
+                <a:solidFill>
+                  <a:srgbClr val="404040"/>
+                </a:solidFill>
+              </a:rPr>
+              <a:t>/</a:t>
             </a:r>
             <a:r>
               <a:rPr lang="en-US" sz="1200" dirty="0" err="1" smtClean="0">
@@ -14015,7 +13989,15 @@
                   <a:srgbClr val="404040"/>
                 </a:solidFill>
               </a:rPr>
-              <a:t> csv files. </a:t>
+              <a:t> </a:t>
+            </a:r>
+            <a:r>
+              <a:rPr lang="en-US" sz="1200" dirty="0" smtClean="0">
+                <a:solidFill>
+                  <a:srgbClr val="404040"/>
+                </a:solidFill>
+              </a:rPr>
+              <a:t>csv files. </a:t>
             </a:r>
           </a:p>
           <a:p>
@@ -14254,7 +14236,7 @@
           <p:cNvPr id="8" name="Rectangle 7">
             <a:extLst>
               <a:ext uri="{FF2B5EF4-FFF2-40B4-BE49-F238E27FC236}">
-                <a16:creationId xmlns:a16="http://schemas.microsoft.com/office/drawing/2014/main" xmlns="" id="{5B3CDCD5-8FC4-4E7A-A1B9-D308E1448138}"/>
+                <a16:creationId xmlns="" xmlns:a16="http://schemas.microsoft.com/office/drawing/2014/main" id="{5B3CDCD5-8FC4-4E7A-A1B9-D308E1448138}"/>
               </a:ext>
             </a:extLst>
           </p:cNvPr>
@@ -14314,7 +14296,7 @@
           <p:cNvPr id="9" name="Rectangle 8">
             <a:extLst>
               <a:ext uri="{FF2B5EF4-FFF2-40B4-BE49-F238E27FC236}">
-                <a16:creationId xmlns:a16="http://schemas.microsoft.com/office/drawing/2014/main" xmlns="" id="{672C31F3-786C-4C55-A41A-E2EEF7424910}"/>
+                <a16:creationId xmlns="" xmlns:a16="http://schemas.microsoft.com/office/drawing/2014/main" id="{672C31F3-786C-4C55-A41A-E2EEF7424910}"/>
               </a:ext>
             </a:extLst>
           </p:cNvPr>
@@ -14545,7 +14527,7 @@
           <p:cNvPr id="12" name="TextBox 11">
             <a:extLst>
               <a:ext uri="{FF2B5EF4-FFF2-40B4-BE49-F238E27FC236}">
-                <a16:creationId xmlns:a16="http://schemas.microsoft.com/office/drawing/2014/main" xmlns="" id="{C3E81A97-9F9A-489C-AB12-39CF76A6BF84}"/>
+                <a16:creationId xmlns="" xmlns:a16="http://schemas.microsoft.com/office/drawing/2014/main" id="{C3E81A97-9F9A-489C-AB12-39CF76A6BF84}"/>
               </a:ext>
             </a:extLst>
           </p:cNvPr>
@@ -14585,7 +14567,7 @@
           <p:cNvPr id="13" name="TextBox 12">
             <a:extLst>
               <a:ext uri="{FF2B5EF4-FFF2-40B4-BE49-F238E27FC236}">
-                <a16:creationId xmlns:a16="http://schemas.microsoft.com/office/drawing/2014/main" xmlns="" id="{C5C813FF-91B7-47E2-A817-63BFF70030EF}"/>
+                <a16:creationId xmlns="" xmlns:a16="http://schemas.microsoft.com/office/drawing/2014/main" id="{C5C813FF-91B7-47E2-A817-63BFF70030EF}"/>
               </a:ext>
             </a:extLst>
           </p:cNvPr>
@@ -14625,7 +14607,7 @@
           <p:cNvPr id="16" name="TextBox 15">
             <a:extLst>
               <a:ext uri="{FF2B5EF4-FFF2-40B4-BE49-F238E27FC236}">
-                <a16:creationId xmlns:a16="http://schemas.microsoft.com/office/drawing/2014/main" xmlns="" id="{5BED52DB-5C28-4B68-B326-CA02247C22D7}"/>
+                <a16:creationId xmlns="" xmlns:a16="http://schemas.microsoft.com/office/drawing/2014/main" id="{5BED52DB-5C28-4B68-B326-CA02247C22D7}"/>
               </a:ext>
             </a:extLst>
           </p:cNvPr>
@@ -14665,7 +14647,7 @@
           <p:cNvPr id="17" name="Rectangle 16">
             <a:extLst>
               <a:ext uri="{FF2B5EF4-FFF2-40B4-BE49-F238E27FC236}">
-                <a16:creationId xmlns:a16="http://schemas.microsoft.com/office/drawing/2014/main" xmlns="" id="{84095DF2-06C8-4BFA-AD53-42330693822F}"/>
+                <a16:creationId xmlns="" xmlns:a16="http://schemas.microsoft.com/office/drawing/2014/main" id="{84095DF2-06C8-4BFA-AD53-42330693822F}"/>
               </a:ext>
             </a:extLst>
           </p:cNvPr>
@@ -14725,7 +14707,7 @@
           <p:cNvPr id="18" name="Rectangle 17">
             <a:extLst>
               <a:ext uri="{FF2B5EF4-FFF2-40B4-BE49-F238E27FC236}">
-                <a16:creationId xmlns:a16="http://schemas.microsoft.com/office/drawing/2014/main" xmlns="" id="{77098C6C-7942-4792-82E3-E81CF0114F68}"/>
+                <a16:creationId xmlns="" xmlns:a16="http://schemas.microsoft.com/office/drawing/2014/main" id="{77098C6C-7942-4792-82E3-E81CF0114F68}"/>
               </a:ext>
             </a:extLst>
           </p:cNvPr>
@@ -14785,7 +14767,7 @@
           <p:cNvPr id="19" name="TextBox 18">
             <a:extLst>
               <a:ext uri="{FF2B5EF4-FFF2-40B4-BE49-F238E27FC236}">
-                <a16:creationId xmlns:a16="http://schemas.microsoft.com/office/drawing/2014/main" xmlns="" id="{2C0BE5E7-B474-49F4-8EC2-5171F768EA8A}"/>
+                <a16:creationId xmlns="" xmlns:a16="http://schemas.microsoft.com/office/drawing/2014/main" id="{2C0BE5E7-B474-49F4-8EC2-5171F768EA8A}"/>
               </a:ext>
             </a:extLst>
           </p:cNvPr>
@@ -14828,7 +14810,7 @@
           <p:cNvPr id="20" name="Straight Arrow Connector 19">
             <a:extLst>
               <a:ext uri="{FF2B5EF4-FFF2-40B4-BE49-F238E27FC236}">
-                <a16:creationId xmlns:a16="http://schemas.microsoft.com/office/drawing/2014/main" xmlns="" id="{A33B07C4-55CF-4015-BEA8-0A1D0CC20A06}"/>
+                <a16:creationId xmlns="" xmlns:a16="http://schemas.microsoft.com/office/drawing/2014/main" id="{A33B07C4-55CF-4015-BEA8-0A1D0CC20A06}"/>
               </a:ext>
             </a:extLst>
           </p:cNvPr>
@@ -14872,7 +14854,7 @@
           <p:cNvPr id="21" name="Rectangle 20">
             <a:extLst>
               <a:ext uri="{FF2B5EF4-FFF2-40B4-BE49-F238E27FC236}">
-                <a16:creationId xmlns:a16="http://schemas.microsoft.com/office/drawing/2014/main" xmlns="" id="{3A71F55C-33C4-4784-ABF3-F60B5A1D43FB}"/>
+                <a16:creationId xmlns="" xmlns:a16="http://schemas.microsoft.com/office/drawing/2014/main" id="{3A71F55C-33C4-4784-ABF3-F60B5A1D43FB}"/>
               </a:ext>
             </a:extLst>
           </p:cNvPr>
@@ -14932,7 +14914,7 @@
           <p:cNvPr id="22" name="Rectangle 21">
             <a:extLst>
               <a:ext uri="{FF2B5EF4-FFF2-40B4-BE49-F238E27FC236}">
-                <a16:creationId xmlns:a16="http://schemas.microsoft.com/office/drawing/2014/main" xmlns="" id="{A87E0C3D-50BC-4D5A-B9E9-FC28157BCAE6}"/>
+                <a16:creationId xmlns="" xmlns:a16="http://schemas.microsoft.com/office/drawing/2014/main" id="{A87E0C3D-50BC-4D5A-B9E9-FC28157BCAE6}"/>
               </a:ext>
             </a:extLst>
           </p:cNvPr>
@@ -14992,7 +14974,7 @@
           <p:cNvPr id="23" name="Rectangle 22">
             <a:extLst>
               <a:ext uri="{FF2B5EF4-FFF2-40B4-BE49-F238E27FC236}">
-                <a16:creationId xmlns:a16="http://schemas.microsoft.com/office/drawing/2014/main" xmlns="" id="{00EEA207-2ABE-43F1-A33E-34E7A008601C}"/>
+                <a16:creationId xmlns="" xmlns:a16="http://schemas.microsoft.com/office/drawing/2014/main" id="{00EEA207-2ABE-43F1-A33E-34E7A008601C}"/>
               </a:ext>
             </a:extLst>
           </p:cNvPr>
@@ -15052,7 +15034,7 @@
           <p:cNvPr id="31" name="Curved Connector 34">
             <a:extLst>
               <a:ext uri="{FF2B5EF4-FFF2-40B4-BE49-F238E27FC236}">
-                <a16:creationId xmlns:a16="http://schemas.microsoft.com/office/drawing/2014/main" xmlns="" id="{B1A7B1D3-B695-4937-8C1B-A7DEBB1140A1}"/>
+                <a16:creationId xmlns="" xmlns:a16="http://schemas.microsoft.com/office/drawing/2014/main" id="{B1A7B1D3-B695-4937-8C1B-A7DEBB1140A1}"/>
               </a:ext>
             </a:extLst>
           </p:cNvPr>
@@ -15098,7 +15080,7 @@
           <p:cNvPr id="32" name="Curved Connector 34">
             <a:extLst>
               <a:ext uri="{FF2B5EF4-FFF2-40B4-BE49-F238E27FC236}">
-                <a16:creationId xmlns:a16="http://schemas.microsoft.com/office/drawing/2014/main" xmlns="" id="{13E44A65-521F-460F-848E-12D771A4DBD3}"/>
+                <a16:creationId xmlns="" xmlns:a16="http://schemas.microsoft.com/office/drawing/2014/main" id="{13E44A65-521F-460F-848E-12D771A4DBD3}"/>
               </a:ext>
             </a:extLst>
           </p:cNvPr>
@@ -15144,7 +15126,7 @@
           <p:cNvPr id="33" name="Curved Connector 34">
             <a:extLst>
               <a:ext uri="{FF2B5EF4-FFF2-40B4-BE49-F238E27FC236}">
-                <a16:creationId xmlns:a16="http://schemas.microsoft.com/office/drawing/2014/main" xmlns="" id="{87AAA980-A888-4BEE-BC9E-DF39E7F1C00A}"/>
+                <a16:creationId xmlns="" xmlns:a16="http://schemas.microsoft.com/office/drawing/2014/main" id="{87AAA980-A888-4BEE-BC9E-DF39E7F1C00A}"/>
               </a:ext>
             </a:extLst>
           </p:cNvPr>
@@ -15190,7 +15172,7 @@
           <p:cNvPr id="34" name="TextBox 33">
             <a:extLst>
               <a:ext uri="{FF2B5EF4-FFF2-40B4-BE49-F238E27FC236}">
-                <a16:creationId xmlns:a16="http://schemas.microsoft.com/office/drawing/2014/main" xmlns="" id="{FD24B924-7603-4665-9C71-9A217EAEB64A}"/>
+                <a16:creationId xmlns="" xmlns:a16="http://schemas.microsoft.com/office/drawing/2014/main" id="{FD24B924-7603-4665-9C71-9A217EAEB64A}"/>
               </a:ext>
             </a:extLst>
           </p:cNvPr>
@@ -15230,7 +15212,7 @@
           <p:cNvPr id="35" name="Rectangle 34">
             <a:extLst>
               <a:ext uri="{FF2B5EF4-FFF2-40B4-BE49-F238E27FC236}">
-                <a16:creationId xmlns:a16="http://schemas.microsoft.com/office/drawing/2014/main" xmlns="" id="{672C31F3-786C-4C55-A41A-E2EEF7424910}"/>
+                <a16:creationId xmlns="" xmlns:a16="http://schemas.microsoft.com/office/drawing/2014/main" id="{672C31F3-786C-4C55-A41A-E2EEF7424910}"/>
               </a:ext>
             </a:extLst>
           </p:cNvPr>
@@ -15290,7 +15272,7 @@
           <p:cNvPr id="36" name="Rectangle 35">
             <a:extLst>
               <a:ext uri="{FF2B5EF4-FFF2-40B4-BE49-F238E27FC236}">
-                <a16:creationId xmlns:a16="http://schemas.microsoft.com/office/drawing/2014/main" xmlns="" id="{70B547CF-C80A-4AA7-B28F-5EE2A9C4886D}"/>
+                <a16:creationId xmlns="" xmlns:a16="http://schemas.microsoft.com/office/drawing/2014/main" id="{70B547CF-C80A-4AA7-B28F-5EE2A9C4886D}"/>
               </a:ext>
             </a:extLst>
           </p:cNvPr>
@@ -15350,7 +15332,7 @@
           <p:cNvPr id="37" name="TextBox 36">
             <a:extLst>
               <a:ext uri="{FF2B5EF4-FFF2-40B4-BE49-F238E27FC236}">
-                <a16:creationId xmlns:a16="http://schemas.microsoft.com/office/drawing/2014/main" xmlns="" id="{432CC664-AD80-4C25-A998-8709BB2EE161}"/>
+                <a16:creationId xmlns="" xmlns:a16="http://schemas.microsoft.com/office/drawing/2014/main" id="{432CC664-AD80-4C25-A998-8709BB2EE161}"/>
               </a:ext>
             </a:extLst>
           </p:cNvPr>
@@ -15397,7 +15379,7 @@
           <p:cNvPr id="38" name="TextBox 37">
             <a:extLst>
               <a:ext uri="{FF2B5EF4-FFF2-40B4-BE49-F238E27FC236}">
-                <a16:creationId xmlns:a16="http://schemas.microsoft.com/office/drawing/2014/main" xmlns="" id="{B4ED6FFD-DF9B-4B96-A7FD-69E178B8BEF1}"/>
+                <a16:creationId xmlns="" xmlns:a16="http://schemas.microsoft.com/office/drawing/2014/main" id="{B4ED6FFD-DF9B-4B96-A7FD-69E178B8BEF1}"/>
               </a:ext>
             </a:extLst>
           </p:cNvPr>
@@ -15436,7 +15418,7 @@
           <p:cNvPr id="24" name="Rectangle 23">
             <a:extLst>
               <a:ext uri="{FF2B5EF4-FFF2-40B4-BE49-F238E27FC236}">
-                <a16:creationId xmlns:a16="http://schemas.microsoft.com/office/drawing/2014/main" xmlns="" id="{347FD3DF-A6BB-4EBF-BA9F-16C739B57D8D}"/>
+                <a16:creationId xmlns="" xmlns:a16="http://schemas.microsoft.com/office/drawing/2014/main" id="{347FD3DF-A6BB-4EBF-BA9F-16C739B57D8D}"/>
               </a:ext>
             </a:extLst>
           </p:cNvPr>
@@ -15496,7 +15478,7 @@
           <p:cNvPr id="25" name="TextBox 24">
             <a:extLst>
               <a:ext uri="{FF2B5EF4-FFF2-40B4-BE49-F238E27FC236}">
-                <a16:creationId xmlns:a16="http://schemas.microsoft.com/office/drawing/2014/main" xmlns="" id="{3C14E4F6-A001-4B8C-8F8C-013F18BF9D9E}"/>
+                <a16:creationId xmlns="" xmlns:a16="http://schemas.microsoft.com/office/drawing/2014/main" id="{3C14E4F6-A001-4B8C-8F8C-013F18BF9D9E}"/>
               </a:ext>
             </a:extLst>
           </p:cNvPr>
@@ -15543,7 +15525,7 @@
           <p:cNvPr id="26" name="TextBox 25">
             <a:extLst>
               <a:ext uri="{FF2B5EF4-FFF2-40B4-BE49-F238E27FC236}">
-                <a16:creationId xmlns:a16="http://schemas.microsoft.com/office/drawing/2014/main" xmlns="" id="{17BA40AC-7246-4F36-B35A-81074C4315C3}"/>
+                <a16:creationId xmlns="" xmlns:a16="http://schemas.microsoft.com/office/drawing/2014/main" id="{17BA40AC-7246-4F36-B35A-81074C4315C3}"/>
               </a:ext>
             </a:extLst>
           </p:cNvPr>
@@ -15613,7 +15595,7 @@
           <p:cNvPr id="12" name="TextBox 11">
             <a:extLst>
               <a:ext uri="{FF2B5EF4-FFF2-40B4-BE49-F238E27FC236}">
-                <a16:creationId xmlns:a16="http://schemas.microsoft.com/office/drawing/2014/main" xmlns="" id="{C3E81A97-9F9A-489C-AB12-39CF76A6BF84}"/>
+                <a16:creationId xmlns="" xmlns:a16="http://schemas.microsoft.com/office/drawing/2014/main" id="{C3E81A97-9F9A-489C-AB12-39CF76A6BF84}"/>
               </a:ext>
             </a:extLst>
           </p:cNvPr>
@@ -15653,7 +15635,7 @@
           <p:cNvPr id="13" name="TextBox 12">
             <a:extLst>
               <a:ext uri="{FF2B5EF4-FFF2-40B4-BE49-F238E27FC236}">
-                <a16:creationId xmlns:a16="http://schemas.microsoft.com/office/drawing/2014/main" xmlns="" id="{C5C813FF-91B7-47E2-A817-63BFF70030EF}"/>
+                <a16:creationId xmlns="" xmlns:a16="http://schemas.microsoft.com/office/drawing/2014/main" id="{C5C813FF-91B7-47E2-A817-63BFF70030EF}"/>
               </a:ext>
             </a:extLst>
           </p:cNvPr>
@@ -15699,7 +15681,7 @@
           <p:cNvPr id="30" name="TextBox 29">
             <a:extLst>
               <a:ext uri="{FF2B5EF4-FFF2-40B4-BE49-F238E27FC236}">
-                <a16:creationId xmlns:a16="http://schemas.microsoft.com/office/drawing/2014/main" xmlns="" id="{7B0B77AD-C0E4-458E-913B-6DC0A9749A38}"/>
+                <a16:creationId xmlns="" xmlns:a16="http://schemas.microsoft.com/office/drawing/2014/main" id="{7B0B77AD-C0E4-458E-913B-6DC0A9749A38}"/>
               </a:ext>
             </a:extLst>
           </p:cNvPr>
